--- a/SDU/Lærings teknologi/3. Deci og Ryan/Deci og Ryan Powerpoint.pptx
+++ b/SDU/Lærings teknologi/3. Deci og Ryan/Deci og Ryan Powerpoint.pptx
@@ -16,8 +16,8 @@
     <p:sldId id="271" r:id="rId13"/>
     <p:sldId id="272" r:id="rId14"/>
     <p:sldId id="273" r:id="rId15"/>
-    <p:sldId id="263" r:id="rId16"/>
-    <p:sldId id="264" r:id="rId17"/>
+    <p:sldId id="264" r:id="rId16"/>
+    <p:sldId id="263" r:id="rId17"/>
   </p:sldIdLst>
   <p:sldSz cx="12192000" cy="6858000"/>
   <p:notesSz cx="6858000" cy="9144000"/>
@@ -281,7 +281,7 @@
           <a:p>
             <a:fld id="{5F631B7A-3D04-4105-84CB-D83B18A8B729}" type="datetimeFigureOut">
               <a:rPr lang="en-DK" smtClean="0"/>
-              <a:t>20/01/2025</a:t>
+              <a:t>27/01/2025</a:t>
             </a:fld>
             <a:endParaRPr lang="en-DK"/>
           </a:p>
@@ -481,7 +481,7 @@
           <a:p>
             <a:fld id="{5F631B7A-3D04-4105-84CB-D83B18A8B729}" type="datetimeFigureOut">
               <a:rPr lang="en-DK" smtClean="0"/>
-              <a:t>20/01/2025</a:t>
+              <a:t>27/01/2025</a:t>
             </a:fld>
             <a:endParaRPr lang="en-DK"/>
           </a:p>
@@ -691,7 +691,7 @@
           <a:p>
             <a:fld id="{5F631B7A-3D04-4105-84CB-D83B18A8B729}" type="datetimeFigureOut">
               <a:rPr lang="en-DK" smtClean="0"/>
-              <a:t>20/01/2025</a:t>
+              <a:t>27/01/2025</a:t>
             </a:fld>
             <a:endParaRPr lang="en-DK"/>
           </a:p>
@@ -891,7 +891,7 @@
           <a:p>
             <a:fld id="{5F631B7A-3D04-4105-84CB-D83B18A8B729}" type="datetimeFigureOut">
               <a:rPr lang="en-DK" smtClean="0"/>
-              <a:t>20/01/2025</a:t>
+              <a:t>27/01/2025</a:t>
             </a:fld>
             <a:endParaRPr lang="en-DK"/>
           </a:p>
@@ -1167,7 +1167,7 @@
           <a:p>
             <a:fld id="{5F631B7A-3D04-4105-84CB-D83B18A8B729}" type="datetimeFigureOut">
               <a:rPr lang="en-DK" smtClean="0"/>
-              <a:t>20/01/2025</a:t>
+              <a:t>27/01/2025</a:t>
             </a:fld>
             <a:endParaRPr lang="en-DK"/>
           </a:p>
@@ -1435,7 +1435,7 @@
           <a:p>
             <a:fld id="{5F631B7A-3D04-4105-84CB-D83B18A8B729}" type="datetimeFigureOut">
               <a:rPr lang="en-DK" smtClean="0"/>
-              <a:t>20/01/2025</a:t>
+              <a:t>27/01/2025</a:t>
             </a:fld>
             <a:endParaRPr lang="en-DK"/>
           </a:p>
@@ -1850,7 +1850,7 @@
           <a:p>
             <a:fld id="{5F631B7A-3D04-4105-84CB-D83B18A8B729}" type="datetimeFigureOut">
               <a:rPr lang="en-DK" smtClean="0"/>
-              <a:t>20/01/2025</a:t>
+              <a:t>27/01/2025</a:t>
             </a:fld>
             <a:endParaRPr lang="en-DK"/>
           </a:p>
@@ -1992,7 +1992,7 @@
           <a:p>
             <a:fld id="{5F631B7A-3D04-4105-84CB-D83B18A8B729}" type="datetimeFigureOut">
               <a:rPr lang="en-DK" smtClean="0"/>
-              <a:t>20/01/2025</a:t>
+              <a:t>27/01/2025</a:t>
             </a:fld>
             <a:endParaRPr lang="en-DK"/>
           </a:p>
@@ -2105,7 +2105,7 @@
           <a:p>
             <a:fld id="{5F631B7A-3D04-4105-84CB-D83B18A8B729}" type="datetimeFigureOut">
               <a:rPr lang="en-DK" smtClean="0"/>
-              <a:t>20/01/2025</a:t>
+              <a:t>27/01/2025</a:t>
             </a:fld>
             <a:endParaRPr lang="en-DK"/>
           </a:p>
@@ -2418,7 +2418,7 @@
           <a:p>
             <a:fld id="{5F631B7A-3D04-4105-84CB-D83B18A8B729}" type="datetimeFigureOut">
               <a:rPr lang="en-DK" smtClean="0"/>
-              <a:t>20/01/2025</a:t>
+              <a:t>27/01/2025</a:t>
             </a:fld>
             <a:endParaRPr lang="en-DK"/>
           </a:p>
@@ -2707,7 +2707,7 @@
           <a:p>
             <a:fld id="{5F631B7A-3D04-4105-84CB-D83B18A8B729}" type="datetimeFigureOut">
               <a:rPr lang="en-DK" smtClean="0"/>
-              <a:t>20/01/2025</a:t>
+              <a:t>27/01/2025</a:t>
             </a:fld>
             <a:endParaRPr lang="en-DK"/>
           </a:p>
@@ -2950,7 +2950,7 @@
           <a:p>
             <a:fld id="{5F631B7A-3D04-4105-84CB-D83B18A8B729}" type="datetimeFigureOut">
               <a:rPr lang="en-DK" smtClean="0"/>
-              <a:t>20/01/2025</a:t>
+              <a:t>27/01/2025</a:t>
             </a:fld>
             <a:endParaRPr lang="en-DK"/>
           </a:p>
@@ -4332,400 +4332,6 @@
         <p:cNvPr id="1" name="">
           <a:extLst>
             <a:ext uri="{FF2B5EF4-FFF2-40B4-BE49-F238E27FC236}">
-              <a16:creationId xmlns:a16="http://schemas.microsoft.com/office/drawing/2014/main" id="{BCC1CF3C-47C8-D814-D09E-7B45B3CB12FB}"/>
-            </a:ext>
-          </a:extLst>
-        </p:cNvPr>
-        <p:cNvGrpSpPr/>
-        <p:nvPr/>
-      </p:nvGrpSpPr>
-      <p:grpSpPr>
-        <a:xfrm>
-          <a:off x="0" y="0"/>
-          <a:ext cx="0" cy="0"/>
-          <a:chOff x="0" y="0"/>
-          <a:chExt cx="0" cy="0"/>
-        </a:xfrm>
-      </p:grpSpPr>
-      <p:sp>
-        <p:nvSpPr>
-          <p:cNvPr id="6" name="Rectangle 5">
-            <a:extLst>
-              <a:ext uri="{FF2B5EF4-FFF2-40B4-BE49-F238E27FC236}">
-                <a16:creationId xmlns:a16="http://schemas.microsoft.com/office/drawing/2014/main" id="{8095F508-BA37-70B2-70DB-D444E2921F5A}"/>
-              </a:ext>
-            </a:extLst>
-          </p:cNvPr>
-          <p:cNvSpPr/>
-          <p:nvPr/>
-        </p:nvSpPr>
-        <p:spPr>
-          <a:xfrm>
-            <a:off x="0" y="0"/>
-            <a:ext cx="12192000" cy="6858000"/>
-          </a:xfrm>
-          <a:prstGeom prst="rect">
-            <a:avLst/>
-          </a:prstGeom>
-          <a:solidFill>
-            <a:srgbClr val="000000">
-              <a:alpha val="63922"/>
-            </a:srgbClr>
-          </a:solidFill>
-          <a:ln>
-            <a:noFill/>
-          </a:ln>
-        </p:spPr>
-        <p:style>
-          <a:lnRef idx="2">
-            <a:schemeClr val="dk1">
-              <a:shade val="15000"/>
-            </a:schemeClr>
-          </a:lnRef>
-          <a:fillRef idx="1">
-            <a:schemeClr val="dk1"/>
-          </a:fillRef>
-          <a:effectRef idx="0">
-            <a:schemeClr val="dk1"/>
-          </a:effectRef>
-          <a:fontRef idx="minor">
-            <a:schemeClr val="lt1"/>
-          </a:fontRef>
-        </p:style>
-        <p:txBody>
-          <a:bodyPr rtlCol="0" anchor="ctr"/>
-          <a:lstStyle/>
-          <a:p>
-            <a:pPr algn="ctr"/>
-            <a:endParaRPr lang="en-DK"/>
-          </a:p>
-        </p:txBody>
-      </p:sp>
-      <p:sp>
-        <p:nvSpPr>
-          <p:cNvPr id="2" name="Title 1">
-            <a:extLst>
-              <a:ext uri="{FF2B5EF4-FFF2-40B4-BE49-F238E27FC236}">
-                <a16:creationId xmlns:a16="http://schemas.microsoft.com/office/drawing/2014/main" id="{3EF33851-8D81-C748-0456-CBA89C0E4FF7}"/>
-              </a:ext>
-            </a:extLst>
-          </p:cNvPr>
-          <p:cNvSpPr>
-            <a:spLocks noGrp="1"/>
-          </p:cNvSpPr>
-          <p:nvPr>
-            <p:ph type="ctrTitle"/>
-          </p:nvPr>
-        </p:nvSpPr>
-        <p:spPr>
-          <a:xfrm>
-            <a:off x="3950438" y="1614432"/>
-            <a:ext cx="4278468" cy="318707"/>
-          </a:xfrm>
-        </p:spPr>
-        <p:txBody>
-          <a:bodyPr>
-            <a:normAutofit fontScale="90000"/>
-          </a:bodyPr>
-          <a:lstStyle/>
-          <a:p>
-            <a:r>
-              <a:rPr lang="en-US" sz="1800" dirty="0">
-                <a:solidFill>
-                  <a:schemeClr val="bg1"/>
-                </a:solidFill>
-              </a:rPr>
-              <a:t>RYAN OG DECI | GEE</a:t>
-            </a:r>
-            <a:endParaRPr lang="en-DK" dirty="0">
-              <a:solidFill>
-                <a:schemeClr val="bg1"/>
-              </a:solidFill>
-            </a:endParaRPr>
-          </a:p>
-        </p:txBody>
-      </p:sp>
-      <p:sp>
-        <p:nvSpPr>
-          <p:cNvPr id="4" name="Title 1">
-            <a:extLst>
-              <a:ext uri="{FF2B5EF4-FFF2-40B4-BE49-F238E27FC236}">
-                <a16:creationId xmlns:a16="http://schemas.microsoft.com/office/drawing/2014/main" id="{3DDEF6E9-3C51-A1D6-F5D1-0C861202AF3D}"/>
-              </a:ext>
-            </a:extLst>
-          </p:cNvPr>
-          <p:cNvSpPr txBox="1">
-            <a:spLocks/>
-          </p:cNvSpPr>
-          <p:nvPr/>
-        </p:nvSpPr>
-        <p:spPr>
-          <a:xfrm>
-            <a:off x="4207163" y="398287"/>
-            <a:ext cx="3765019" cy="1103771"/>
-          </a:xfrm>
-          <a:prstGeom prst="rect">
-            <a:avLst/>
-          </a:prstGeom>
-        </p:spPr>
-        <p:txBody>
-          <a:bodyPr vert="horz" lIns="91440" tIns="45720" rIns="91440" bIns="45720" rtlCol="0" anchor="b">
-            <a:noAutofit/>
-          </a:bodyPr>
-          <a:lstStyle>
-            <a:lvl1pPr algn="ctr" defTabSz="914400" rtl="0" eaLnBrk="1" latinLnBrk="0" hangingPunct="1">
-              <a:lnSpc>
-                <a:spcPct val="90000"/>
-              </a:lnSpc>
-              <a:spcBef>
-                <a:spcPct val="0"/>
-              </a:spcBef>
-              <a:buNone/>
-              <a:defRPr sz="6000" kern="1200">
-                <a:solidFill>
-                  <a:schemeClr val="tx1"/>
-                </a:solidFill>
-                <a:latin typeface="+mj-lt"/>
-                <a:ea typeface="+mj-ea"/>
-                <a:cs typeface="+mj-cs"/>
-              </a:defRPr>
-            </a:lvl1pPr>
-          </a:lstStyle>
-          <a:p>
-            <a:br>
-              <a:rPr lang="en-DK" sz="1800" dirty="0">
-                <a:solidFill>
-                  <a:srgbClr val="000000"/>
-                </a:solidFill>
-                <a:latin typeface="Calibri" panose="020F0502020204030204" pitchFamily="34" charset="0"/>
-              </a:rPr>
-            </a:br>
-            <a:r>
-              <a:rPr lang="nb-NO" sz="3600" b="1" dirty="0">
-                <a:solidFill>
-                  <a:schemeClr val="bg1"/>
-                </a:solidFill>
-                <a:latin typeface="Calibri" panose="020F0502020204030204" pitchFamily="34" charset="0"/>
-              </a:rPr>
-              <a:t>PERSPEKTIVERING</a:t>
-            </a:r>
-            <a:endParaRPr lang="en-DK" sz="3600" dirty="0">
-              <a:solidFill>
-                <a:schemeClr val="bg1"/>
-              </a:solidFill>
-            </a:endParaRPr>
-          </a:p>
-        </p:txBody>
-      </p:sp>
-      <p:sp>
-        <p:nvSpPr>
-          <p:cNvPr id="5" name="Rectangle 4">
-            <a:extLst>
-              <a:ext uri="{FF2B5EF4-FFF2-40B4-BE49-F238E27FC236}">
-                <a16:creationId xmlns:a16="http://schemas.microsoft.com/office/drawing/2014/main" id="{C6DF90B4-70F1-7D35-067A-40C001E46DA4}"/>
-              </a:ext>
-            </a:extLst>
-          </p:cNvPr>
-          <p:cNvSpPr/>
-          <p:nvPr/>
-        </p:nvSpPr>
-        <p:spPr>
-          <a:xfrm>
-            <a:off x="5479563" y="1988967"/>
-            <a:ext cx="1220217" cy="56546"/>
-          </a:xfrm>
-          <a:prstGeom prst="rect">
-            <a:avLst/>
-          </a:prstGeom>
-          <a:solidFill>
-            <a:schemeClr val="accent1"/>
-          </a:solidFill>
-          <a:ln>
-            <a:noFill/>
-          </a:ln>
-        </p:spPr>
-        <p:style>
-          <a:lnRef idx="2">
-            <a:schemeClr val="accent1">
-              <a:shade val="15000"/>
-            </a:schemeClr>
-          </a:lnRef>
-          <a:fillRef idx="1">
-            <a:schemeClr val="accent1"/>
-          </a:fillRef>
-          <a:effectRef idx="0">
-            <a:schemeClr val="accent1"/>
-          </a:effectRef>
-          <a:fontRef idx="minor">
-            <a:schemeClr val="lt1"/>
-          </a:fontRef>
-        </p:style>
-        <p:txBody>
-          <a:bodyPr rtlCol="0" anchor="ctr"/>
-          <a:lstStyle/>
-          <a:p>
-            <a:pPr algn="ctr"/>
-            <a:endParaRPr lang="en-DK"/>
-          </a:p>
-        </p:txBody>
-      </p:sp>
-      <p:sp>
-        <p:nvSpPr>
-          <p:cNvPr id="12" name="Subtitle 2">
-            <a:extLst>
-              <a:ext uri="{FF2B5EF4-FFF2-40B4-BE49-F238E27FC236}">
-                <a16:creationId xmlns:a16="http://schemas.microsoft.com/office/drawing/2014/main" id="{361AB22A-5BF4-02CD-D0A6-47065B749BB2}"/>
-              </a:ext>
-            </a:extLst>
-          </p:cNvPr>
-          <p:cNvSpPr>
-            <a:spLocks noGrp="1"/>
-          </p:cNvSpPr>
-          <p:nvPr>
-            <p:ph type="subTitle" idx="1"/>
-          </p:nvPr>
-        </p:nvSpPr>
-        <p:spPr>
-          <a:xfrm>
-            <a:off x="2223951" y="3186055"/>
-            <a:ext cx="7731440" cy="2306655"/>
-          </a:xfrm>
-        </p:spPr>
-        <p:txBody>
-          <a:bodyPr>
-            <a:noAutofit/>
-          </a:bodyPr>
-          <a:lstStyle/>
-          <a:p>
-            <a:pPr marL="342900" indent="-342900">
-              <a:buFont typeface="Arial" panose="020B0604020202020204" pitchFamily="34" charset="0"/>
-              <a:buChar char="•"/>
-            </a:pPr>
-            <a:r>
-              <a:rPr lang="en-US" sz="2200" dirty="0">
-                <a:solidFill>
-                  <a:schemeClr val="bg1"/>
-                </a:solidFill>
-              </a:rPr>
-              <a:t>LÆRING OG PROGRESSION</a:t>
-            </a:r>
-          </a:p>
-          <a:p>
-            <a:pPr marL="342900" indent="-342900">
-              <a:buFont typeface="Arial" panose="020B0604020202020204" pitchFamily="34" charset="0"/>
-              <a:buChar char="•"/>
-            </a:pPr>
-            <a:r>
-              <a:rPr lang="en-US" sz="2200" dirty="0">
-                <a:solidFill>
-                  <a:schemeClr val="bg1"/>
-                </a:solidFill>
-              </a:rPr>
-              <a:t>MOTIVATION FOR LÆRING</a:t>
-            </a:r>
-          </a:p>
-          <a:p>
-            <a:pPr marL="342900" indent="-342900">
-              <a:buFont typeface="Arial" panose="020B0604020202020204" pitchFamily="34" charset="0"/>
-              <a:buChar char="•"/>
-            </a:pPr>
-            <a:r>
-              <a:rPr lang="en-US" sz="2200" dirty="0">
-                <a:solidFill>
-                  <a:schemeClr val="bg1"/>
-                </a:solidFill>
-              </a:rPr>
-              <a:t>HVORDAN MAN HOLDER SPILLERE MOTIVERET</a:t>
-            </a:r>
-          </a:p>
-          <a:p>
-            <a:pPr marL="342900" indent="-342900">
-              <a:buFont typeface="Arial" panose="020B0604020202020204" pitchFamily="34" charset="0"/>
-              <a:buChar char="•"/>
-            </a:pPr>
-            <a:r>
-              <a:rPr lang="en-US" sz="2200" dirty="0">
-                <a:solidFill>
-                  <a:schemeClr val="bg1"/>
-                </a:solidFill>
-              </a:rPr>
-              <a:t>BRUGEN I DEN VIRKLIGE VERDEN</a:t>
-            </a:r>
-            <a:endParaRPr lang="en-US" sz="1800" dirty="0">
-              <a:solidFill>
-                <a:schemeClr val="bg1"/>
-              </a:solidFill>
-            </a:endParaRPr>
-          </a:p>
-          <a:p>
-            <a:pPr marL="342900" indent="-342900">
-              <a:buFont typeface="Arial" panose="020B0604020202020204" pitchFamily="34" charset="0"/>
-              <a:buChar char="•"/>
-            </a:pPr>
-            <a:r>
-              <a:rPr lang="en-US" sz="2200" dirty="0">
-                <a:solidFill>
-                  <a:schemeClr val="bg1"/>
-                </a:solidFill>
-              </a:rPr>
-              <a:t>EMPOWERED LEARNERS OG PROBLEM SOLVING</a:t>
-            </a:r>
-            <a:endParaRPr lang="en-DK" sz="2200" dirty="0">
-              <a:solidFill>
-                <a:schemeClr val="bg1"/>
-              </a:solidFill>
-            </a:endParaRPr>
-          </a:p>
-        </p:txBody>
-      </p:sp>
-    </p:spTree>
-    <p:extLst>
-      <p:ext uri="{BB962C8B-B14F-4D97-AF65-F5344CB8AC3E}">
-        <p14:creationId xmlns:p14="http://schemas.microsoft.com/office/powerpoint/2010/main" val="3011377762"/>
-      </p:ext>
-    </p:extLst>
-  </p:cSld>
-  <p:clrMapOvr>
-    <a:masterClrMapping/>
-  </p:clrMapOvr>
-</p:sld>
-</file>
-
-<file path=ppt/slides/slide13.xml><?xml version="1.0" encoding="utf-8"?>
-<p:sld xmlns:a="http://schemas.openxmlformats.org/drawingml/2006/main" xmlns:r="http://schemas.openxmlformats.org/officeDocument/2006/relationships" xmlns:p="http://schemas.openxmlformats.org/presentationml/2006/main">
-  <p:cSld>
-    <p:bg>
-      <p:bgPr>
-        <a:blipFill dpi="0" rotWithShape="1">
-          <a:blip r:embed="rId2">
-            <a:extLst>
-              <a:ext uri="{BEBA8EAE-BF5A-486C-A8C5-ECC9F3942E4B}">
-                <a14:imgProps xmlns:a14="http://schemas.microsoft.com/office/drawing/2010/main">
-                  <a14:imgLayer r:embed="rId3">
-                    <a14:imgEffect>
-                      <a14:saturation sat="0"/>
-                    </a14:imgEffect>
-                    <a14:imgEffect>
-                      <a14:brightnessContrast bright="-40000" contrast="-40000"/>
-                    </a14:imgEffect>
-                  </a14:imgLayer>
-                </a14:imgProps>
-              </a:ext>
-            </a:extLst>
-          </a:blip>
-          <a:srcRect/>
-          <a:stretch>
-            <a:fillRect/>
-          </a:stretch>
-        </a:blipFill>
-        <a:effectLst/>
-      </p:bgPr>
-    </p:bg>
-    <p:spTree>
-      <p:nvGrpSpPr>
-        <p:cNvPr id="1" name="">
-          <a:extLst>
-            <a:ext uri="{FF2B5EF4-FFF2-40B4-BE49-F238E27FC236}">
               <a16:creationId xmlns:a16="http://schemas.microsoft.com/office/drawing/2014/main" id="{CF8C0D32-2D93-09BC-109D-DBBF1E2C6111}"/>
             </a:ext>
           </a:extLst>
@@ -5184,6 +4790,764 @@
       </p:par>
     </p:tnLst>
   </p:timing>
+</p:sld>
+</file>
+
+<file path=ppt/slides/slide13.xml><?xml version="1.0" encoding="utf-8"?>
+<p:sld xmlns:a="http://schemas.openxmlformats.org/drawingml/2006/main" xmlns:r="http://schemas.openxmlformats.org/officeDocument/2006/relationships" xmlns:p="http://schemas.openxmlformats.org/presentationml/2006/main">
+  <p:cSld>
+    <p:bg>
+      <p:bgPr>
+        <a:blipFill dpi="0" rotWithShape="1">
+          <a:blip r:embed="rId2">
+            <a:extLst>
+              <a:ext uri="{BEBA8EAE-BF5A-486C-A8C5-ECC9F3942E4B}">
+                <a14:imgProps xmlns:a14="http://schemas.microsoft.com/office/drawing/2010/main">
+                  <a14:imgLayer r:embed="rId3">
+                    <a14:imgEffect>
+                      <a14:saturation sat="0"/>
+                    </a14:imgEffect>
+                    <a14:imgEffect>
+                      <a14:brightnessContrast bright="-40000" contrast="-40000"/>
+                    </a14:imgEffect>
+                  </a14:imgLayer>
+                </a14:imgProps>
+              </a:ext>
+            </a:extLst>
+          </a:blip>
+          <a:srcRect/>
+          <a:stretch>
+            <a:fillRect/>
+          </a:stretch>
+        </a:blipFill>
+        <a:effectLst/>
+      </p:bgPr>
+    </p:bg>
+    <p:spTree>
+      <p:nvGrpSpPr>
+        <p:cNvPr id="1" name="">
+          <a:extLst>
+            <a:ext uri="{FF2B5EF4-FFF2-40B4-BE49-F238E27FC236}">
+              <a16:creationId xmlns:a16="http://schemas.microsoft.com/office/drawing/2014/main" id="{BCC1CF3C-47C8-D814-D09E-7B45B3CB12FB}"/>
+            </a:ext>
+          </a:extLst>
+        </p:cNvPr>
+        <p:cNvGrpSpPr/>
+        <p:nvPr/>
+      </p:nvGrpSpPr>
+      <p:grpSpPr>
+        <a:xfrm>
+          <a:off x="0" y="0"/>
+          <a:ext cx="0" cy="0"/>
+          <a:chOff x="0" y="0"/>
+          <a:chExt cx="0" cy="0"/>
+        </a:xfrm>
+      </p:grpSpPr>
+      <p:sp>
+        <p:nvSpPr>
+          <p:cNvPr id="6" name="Rectangle 5">
+            <a:extLst>
+              <a:ext uri="{FF2B5EF4-FFF2-40B4-BE49-F238E27FC236}">
+                <a16:creationId xmlns:a16="http://schemas.microsoft.com/office/drawing/2014/main" id="{8095F508-BA37-70B2-70DB-D444E2921F5A}"/>
+              </a:ext>
+            </a:extLst>
+          </p:cNvPr>
+          <p:cNvSpPr/>
+          <p:nvPr/>
+        </p:nvSpPr>
+        <p:spPr>
+          <a:xfrm>
+            <a:off x="0" y="0"/>
+            <a:ext cx="12192000" cy="6858000"/>
+          </a:xfrm>
+          <a:prstGeom prst="rect">
+            <a:avLst/>
+          </a:prstGeom>
+          <a:solidFill>
+            <a:srgbClr val="000000">
+              <a:alpha val="63922"/>
+            </a:srgbClr>
+          </a:solidFill>
+          <a:ln>
+            <a:noFill/>
+          </a:ln>
+        </p:spPr>
+        <p:style>
+          <a:lnRef idx="2">
+            <a:schemeClr val="dk1">
+              <a:shade val="15000"/>
+            </a:schemeClr>
+          </a:lnRef>
+          <a:fillRef idx="1">
+            <a:schemeClr val="dk1"/>
+          </a:fillRef>
+          <a:effectRef idx="0">
+            <a:schemeClr val="dk1"/>
+          </a:effectRef>
+          <a:fontRef idx="minor">
+            <a:schemeClr val="lt1"/>
+          </a:fontRef>
+        </p:style>
+        <p:txBody>
+          <a:bodyPr rtlCol="0" anchor="ctr"/>
+          <a:lstStyle/>
+          <a:p>
+            <a:pPr algn="ctr"/>
+            <a:endParaRPr lang="en-DK"/>
+          </a:p>
+        </p:txBody>
+      </p:sp>
+      <p:sp>
+        <p:nvSpPr>
+          <p:cNvPr id="2" name="Title 1">
+            <a:extLst>
+              <a:ext uri="{FF2B5EF4-FFF2-40B4-BE49-F238E27FC236}">
+                <a16:creationId xmlns:a16="http://schemas.microsoft.com/office/drawing/2014/main" id="{3EF33851-8D81-C748-0456-CBA89C0E4FF7}"/>
+              </a:ext>
+            </a:extLst>
+          </p:cNvPr>
+          <p:cNvSpPr>
+            <a:spLocks noGrp="1"/>
+          </p:cNvSpPr>
+          <p:nvPr>
+            <p:ph type="ctrTitle"/>
+          </p:nvPr>
+        </p:nvSpPr>
+        <p:spPr>
+          <a:xfrm>
+            <a:off x="3950438" y="1614432"/>
+            <a:ext cx="4278468" cy="318707"/>
+          </a:xfrm>
+        </p:spPr>
+        <p:txBody>
+          <a:bodyPr>
+            <a:normAutofit fontScale="90000"/>
+          </a:bodyPr>
+          <a:lstStyle/>
+          <a:p>
+            <a:r>
+              <a:rPr lang="en-US" sz="1800" dirty="0">
+                <a:solidFill>
+                  <a:schemeClr val="bg1"/>
+                </a:solidFill>
+              </a:rPr>
+              <a:t>RYAN OG DECI | GEE</a:t>
+            </a:r>
+            <a:endParaRPr lang="en-DK" dirty="0">
+              <a:solidFill>
+                <a:schemeClr val="bg1"/>
+              </a:solidFill>
+            </a:endParaRPr>
+          </a:p>
+        </p:txBody>
+      </p:sp>
+      <p:sp>
+        <p:nvSpPr>
+          <p:cNvPr id="4" name="Title 1">
+            <a:extLst>
+              <a:ext uri="{FF2B5EF4-FFF2-40B4-BE49-F238E27FC236}">
+                <a16:creationId xmlns:a16="http://schemas.microsoft.com/office/drawing/2014/main" id="{3DDEF6E9-3C51-A1D6-F5D1-0C861202AF3D}"/>
+              </a:ext>
+            </a:extLst>
+          </p:cNvPr>
+          <p:cNvSpPr txBox="1">
+            <a:spLocks/>
+          </p:cNvSpPr>
+          <p:nvPr/>
+        </p:nvSpPr>
+        <p:spPr>
+          <a:xfrm>
+            <a:off x="4207163" y="398287"/>
+            <a:ext cx="3765019" cy="1103771"/>
+          </a:xfrm>
+          <a:prstGeom prst="rect">
+            <a:avLst/>
+          </a:prstGeom>
+        </p:spPr>
+        <p:txBody>
+          <a:bodyPr vert="horz" lIns="91440" tIns="45720" rIns="91440" bIns="45720" rtlCol="0" anchor="b">
+            <a:noAutofit/>
+          </a:bodyPr>
+          <a:lstStyle>
+            <a:lvl1pPr algn="ctr" defTabSz="914400" rtl="0" eaLnBrk="1" latinLnBrk="0" hangingPunct="1">
+              <a:lnSpc>
+                <a:spcPct val="90000"/>
+              </a:lnSpc>
+              <a:spcBef>
+                <a:spcPct val="0"/>
+              </a:spcBef>
+              <a:buNone/>
+              <a:defRPr sz="6000" kern="1200">
+                <a:solidFill>
+                  <a:schemeClr val="tx1"/>
+                </a:solidFill>
+                <a:latin typeface="+mj-lt"/>
+                <a:ea typeface="+mj-ea"/>
+                <a:cs typeface="+mj-cs"/>
+              </a:defRPr>
+            </a:lvl1pPr>
+          </a:lstStyle>
+          <a:p>
+            <a:br>
+              <a:rPr lang="en-DK" sz="1800" dirty="0">
+                <a:solidFill>
+                  <a:srgbClr val="000000"/>
+                </a:solidFill>
+                <a:latin typeface="Calibri" panose="020F0502020204030204" pitchFamily="34" charset="0"/>
+              </a:rPr>
+            </a:br>
+            <a:r>
+              <a:rPr lang="nb-NO" sz="3600" b="1" dirty="0">
+                <a:solidFill>
+                  <a:schemeClr val="bg1"/>
+                </a:solidFill>
+                <a:latin typeface="Calibri" panose="020F0502020204030204" pitchFamily="34" charset="0"/>
+              </a:rPr>
+              <a:t>PERSPEKTIVERING</a:t>
+            </a:r>
+            <a:endParaRPr lang="en-DK" sz="3600" dirty="0">
+              <a:solidFill>
+                <a:schemeClr val="bg1"/>
+              </a:solidFill>
+            </a:endParaRPr>
+          </a:p>
+        </p:txBody>
+      </p:sp>
+      <p:sp>
+        <p:nvSpPr>
+          <p:cNvPr id="5" name="Rectangle 4">
+            <a:extLst>
+              <a:ext uri="{FF2B5EF4-FFF2-40B4-BE49-F238E27FC236}">
+                <a16:creationId xmlns:a16="http://schemas.microsoft.com/office/drawing/2014/main" id="{C6DF90B4-70F1-7D35-067A-40C001E46DA4}"/>
+              </a:ext>
+            </a:extLst>
+          </p:cNvPr>
+          <p:cNvSpPr/>
+          <p:nvPr/>
+        </p:nvSpPr>
+        <p:spPr>
+          <a:xfrm>
+            <a:off x="5479563" y="1988967"/>
+            <a:ext cx="1220217" cy="56546"/>
+          </a:xfrm>
+          <a:prstGeom prst="rect">
+            <a:avLst/>
+          </a:prstGeom>
+          <a:solidFill>
+            <a:schemeClr val="accent1"/>
+          </a:solidFill>
+          <a:ln>
+            <a:noFill/>
+          </a:ln>
+        </p:spPr>
+        <p:style>
+          <a:lnRef idx="2">
+            <a:schemeClr val="accent1">
+              <a:shade val="15000"/>
+            </a:schemeClr>
+          </a:lnRef>
+          <a:fillRef idx="1">
+            <a:schemeClr val="accent1"/>
+          </a:fillRef>
+          <a:effectRef idx="0">
+            <a:schemeClr val="accent1"/>
+          </a:effectRef>
+          <a:fontRef idx="minor">
+            <a:schemeClr val="lt1"/>
+          </a:fontRef>
+        </p:style>
+        <p:txBody>
+          <a:bodyPr rtlCol="0" anchor="ctr"/>
+          <a:lstStyle/>
+          <a:p>
+            <a:pPr algn="ctr"/>
+            <a:endParaRPr lang="en-DK"/>
+          </a:p>
+        </p:txBody>
+      </p:sp>
+      <p:sp>
+        <p:nvSpPr>
+          <p:cNvPr id="12" name="Subtitle 2">
+            <a:extLst>
+              <a:ext uri="{FF2B5EF4-FFF2-40B4-BE49-F238E27FC236}">
+                <a16:creationId xmlns:a16="http://schemas.microsoft.com/office/drawing/2014/main" id="{361AB22A-5BF4-02CD-D0A6-47065B749BB2}"/>
+              </a:ext>
+            </a:extLst>
+          </p:cNvPr>
+          <p:cNvSpPr>
+            <a:spLocks noGrp="1"/>
+          </p:cNvSpPr>
+          <p:nvPr>
+            <p:ph type="subTitle" idx="1"/>
+          </p:nvPr>
+        </p:nvSpPr>
+        <p:spPr>
+          <a:xfrm>
+            <a:off x="7007261" y="2822661"/>
+            <a:ext cx="4901077" cy="2834317"/>
+          </a:xfrm>
+        </p:spPr>
+        <p:txBody>
+          <a:bodyPr>
+            <a:noAutofit/>
+          </a:bodyPr>
+          <a:lstStyle/>
+          <a:p>
+            <a:pPr marL="342900" indent="-342900" algn="l">
+              <a:buFont typeface="Arial" panose="020B0604020202020204" pitchFamily="34" charset="0"/>
+              <a:buChar char="•"/>
+            </a:pPr>
+            <a:r>
+              <a:rPr lang="da-DK" sz="2000" dirty="0">
+                <a:solidFill>
+                  <a:schemeClr val="bg1"/>
+                </a:solidFill>
+              </a:rPr>
+              <a:t>DESIGNED TIL BRUGER MED INTERESSE I PC BYGGERI</a:t>
+            </a:r>
+          </a:p>
+          <a:p>
+            <a:pPr marL="342900" indent="-342900" algn="l">
+              <a:buFont typeface="Arial" panose="020B0604020202020204" pitchFamily="34" charset="0"/>
+              <a:buChar char="•"/>
+            </a:pPr>
+            <a:r>
+              <a:rPr lang="da-DK" sz="2000" dirty="0">
+                <a:solidFill>
+                  <a:schemeClr val="bg1"/>
+                </a:solidFill>
+              </a:rPr>
+              <a:t>EVNE MANGEL</a:t>
+            </a:r>
+          </a:p>
+          <a:p>
+            <a:pPr marL="342900" indent="-342900" algn="l">
+              <a:buFont typeface="Arial" panose="020B0604020202020204" pitchFamily="34" charset="0"/>
+              <a:buChar char="•"/>
+            </a:pPr>
+            <a:r>
+              <a:rPr lang="da-DK" sz="2000" dirty="0">
+                <a:solidFill>
+                  <a:schemeClr val="bg1"/>
+                </a:solidFill>
+              </a:rPr>
+              <a:t>FACILITATOR TRIGGER</a:t>
+            </a:r>
+          </a:p>
+          <a:p>
+            <a:pPr marL="342900" indent="-342900" algn="l">
+              <a:buFont typeface="Arial" panose="020B0604020202020204" pitchFamily="34" charset="0"/>
+              <a:buChar char="•"/>
+            </a:pPr>
+            <a:r>
+              <a:rPr lang="da-DK" sz="2000" dirty="0">
+                <a:solidFill>
+                  <a:schemeClr val="bg1"/>
+                </a:solidFill>
+              </a:rPr>
+              <a:t>HØJ MOTIVATION</a:t>
+            </a:r>
+          </a:p>
+        </p:txBody>
+      </p:sp>
+      <p:sp>
+        <p:nvSpPr>
+          <p:cNvPr id="27" name="Star: 5 Points 26">
+            <a:extLst>
+              <a:ext uri="{FF2B5EF4-FFF2-40B4-BE49-F238E27FC236}">
+                <a16:creationId xmlns:a16="http://schemas.microsoft.com/office/drawing/2014/main" id="{D4B0ADA7-B967-3292-95BC-1990F7249E82}"/>
+              </a:ext>
+            </a:extLst>
+          </p:cNvPr>
+          <p:cNvSpPr/>
+          <p:nvPr/>
+        </p:nvSpPr>
+        <p:spPr>
+          <a:xfrm>
+            <a:off x="4795889" y="2958411"/>
+            <a:ext cx="566928" cy="502920"/>
+          </a:xfrm>
+          <a:prstGeom prst="star5">
+            <a:avLst/>
+          </a:prstGeom>
+        </p:spPr>
+        <p:style>
+          <a:lnRef idx="2">
+            <a:schemeClr val="accent4">
+              <a:shade val="15000"/>
+            </a:schemeClr>
+          </a:lnRef>
+          <a:fillRef idx="1">
+            <a:schemeClr val="accent4"/>
+          </a:fillRef>
+          <a:effectRef idx="0">
+            <a:schemeClr val="accent4"/>
+          </a:effectRef>
+          <a:fontRef idx="minor">
+            <a:schemeClr val="lt1"/>
+          </a:fontRef>
+        </p:style>
+        <p:txBody>
+          <a:bodyPr rtlCol="0" anchor="ctr"/>
+          <a:lstStyle/>
+          <a:p>
+            <a:pPr algn="ctr"/>
+            <a:endParaRPr lang="en-DK"/>
+          </a:p>
+        </p:txBody>
+      </p:sp>
+      <p:cxnSp>
+        <p:nvCxnSpPr>
+          <p:cNvPr id="28" name="Straight Connector 27">
+            <a:extLst>
+              <a:ext uri="{FF2B5EF4-FFF2-40B4-BE49-F238E27FC236}">
+                <a16:creationId xmlns:a16="http://schemas.microsoft.com/office/drawing/2014/main" id="{F600E76C-0CF9-80A4-38DA-F20405FCC6FD}"/>
+              </a:ext>
+            </a:extLst>
+          </p:cNvPr>
+          <p:cNvCxnSpPr/>
+          <p:nvPr/>
+        </p:nvCxnSpPr>
+        <p:spPr>
+          <a:xfrm>
+            <a:off x="2121408" y="3108960"/>
+            <a:ext cx="0" cy="2724912"/>
+          </a:xfrm>
+          <a:prstGeom prst="line">
+            <a:avLst/>
+          </a:prstGeom>
+          <a:ln w="76200">
+            <a:solidFill>
+              <a:schemeClr val="tx1"/>
+            </a:solidFill>
+          </a:ln>
+        </p:spPr>
+        <p:style>
+          <a:lnRef idx="2">
+            <a:schemeClr val="accent1"/>
+          </a:lnRef>
+          <a:fillRef idx="0">
+            <a:schemeClr val="accent1"/>
+          </a:fillRef>
+          <a:effectRef idx="1">
+            <a:schemeClr val="accent1"/>
+          </a:effectRef>
+          <a:fontRef idx="minor">
+            <a:schemeClr val="tx1"/>
+          </a:fontRef>
+        </p:style>
+      </p:cxnSp>
+      <p:cxnSp>
+        <p:nvCxnSpPr>
+          <p:cNvPr id="29" name="Straight Connector 28">
+            <a:extLst>
+              <a:ext uri="{FF2B5EF4-FFF2-40B4-BE49-F238E27FC236}">
+                <a16:creationId xmlns:a16="http://schemas.microsoft.com/office/drawing/2014/main" id="{8C32FE19-CD77-4E89-34FF-D91C628EECBC}"/>
+              </a:ext>
+            </a:extLst>
+          </p:cNvPr>
+          <p:cNvCxnSpPr>
+            <a:cxnSpLocks/>
+          </p:cNvCxnSpPr>
+          <p:nvPr/>
+        </p:nvCxnSpPr>
+        <p:spPr>
+          <a:xfrm>
+            <a:off x="2121408" y="5839968"/>
+            <a:ext cx="3712464" cy="0"/>
+          </a:xfrm>
+          <a:prstGeom prst="line">
+            <a:avLst/>
+          </a:prstGeom>
+          <a:ln w="76200">
+            <a:solidFill>
+              <a:schemeClr val="tx1"/>
+            </a:solidFill>
+          </a:ln>
+        </p:spPr>
+        <p:style>
+          <a:lnRef idx="2">
+            <a:schemeClr val="accent1"/>
+          </a:lnRef>
+          <a:fillRef idx="0">
+            <a:schemeClr val="accent1"/>
+          </a:fillRef>
+          <a:effectRef idx="1">
+            <a:schemeClr val="accent1"/>
+          </a:effectRef>
+          <a:fontRef idx="minor">
+            <a:schemeClr val="tx1"/>
+          </a:fontRef>
+        </p:style>
+      </p:cxnSp>
+      <p:cxnSp>
+        <p:nvCxnSpPr>
+          <p:cNvPr id="30" name="Straight Arrow Connector 29">
+            <a:extLst>
+              <a:ext uri="{FF2B5EF4-FFF2-40B4-BE49-F238E27FC236}">
+                <a16:creationId xmlns:a16="http://schemas.microsoft.com/office/drawing/2014/main" id="{77004445-B216-A0D6-08FE-E988CDBA76F4}"/>
+              </a:ext>
+            </a:extLst>
+          </p:cNvPr>
+          <p:cNvCxnSpPr>
+            <a:cxnSpLocks/>
+          </p:cNvCxnSpPr>
+          <p:nvPr/>
+        </p:nvCxnSpPr>
+        <p:spPr>
+          <a:xfrm flipV="1">
+            <a:off x="2231136" y="3606472"/>
+            <a:ext cx="2564753" cy="2145104"/>
+          </a:xfrm>
+          <a:prstGeom prst="straightConnector1">
+            <a:avLst/>
+          </a:prstGeom>
+          <a:ln w="38100">
+            <a:prstDash val="dash"/>
+            <a:tailEnd type="triangle"/>
+          </a:ln>
+        </p:spPr>
+        <p:style>
+          <a:lnRef idx="2">
+            <a:schemeClr val="dk1"/>
+          </a:lnRef>
+          <a:fillRef idx="0">
+            <a:schemeClr val="dk1"/>
+          </a:fillRef>
+          <a:effectRef idx="1">
+            <a:schemeClr val="dk1"/>
+          </a:effectRef>
+          <a:fontRef idx="minor">
+            <a:schemeClr val="tx1"/>
+          </a:fontRef>
+        </p:style>
+      </p:cxnSp>
+      <p:sp>
+        <p:nvSpPr>
+          <p:cNvPr id="31" name="TextBox 30">
+            <a:extLst>
+              <a:ext uri="{FF2B5EF4-FFF2-40B4-BE49-F238E27FC236}">
+                <a16:creationId xmlns:a16="http://schemas.microsoft.com/office/drawing/2014/main" id="{25FA04BF-4CA4-B237-4FB3-C58A2381374D}"/>
+              </a:ext>
+            </a:extLst>
+          </p:cNvPr>
+          <p:cNvSpPr txBox="1"/>
+          <p:nvPr/>
+        </p:nvSpPr>
+        <p:spPr>
+          <a:xfrm>
+            <a:off x="4507993" y="5988372"/>
+            <a:ext cx="1618488" cy="369332"/>
+          </a:xfrm>
+          <a:prstGeom prst="rect">
+            <a:avLst/>
+          </a:prstGeom>
+          <a:noFill/>
+        </p:spPr>
+        <p:txBody>
+          <a:bodyPr wrap="square" rtlCol="0">
+            <a:spAutoFit/>
+          </a:bodyPr>
+          <a:lstStyle/>
+          <a:p>
+            <a:r>
+              <a:rPr lang="en-US" b="1" dirty="0">
+                <a:solidFill>
+                  <a:schemeClr val="bg1"/>
+                </a:solidFill>
+              </a:rPr>
+              <a:t>HIGH ABILITY</a:t>
+            </a:r>
+            <a:endParaRPr lang="en-DK" b="1" dirty="0">
+              <a:solidFill>
+                <a:schemeClr val="bg1"/>
+              </a:solidFill>
+            </a:endParaRPr>
+          </a:p>
+        </p:txBody>
+      </p:sp>
+      <p:sp>
+        <p:nvSpPr>
+          <p:cNvPr id="32" name="TextBox 31">
+            <a:extLst>
+              <a:ext uri="{FF2B5EF4-FFF2-40B4-BE49-F238E27FC236}">
+                <a16:creationId xmlns:a16="http://schemas.microsoft.com/office/drawing/2014/main" id="{7F545AD7-E6A5-64DE-3022-0DD4F405AA95}"/>
+              </a:ext>
+            </a:extLst>
+          </p:cNvPr>
+          <p:cNvSpPr txBox="1"/>
+          <p:nvPr/>
+        </p:nvSpPr>
+        <p:spPr>
+          <a:xfrm>
+            <a:off x="518160" y="3025205"/>
+            <a:ext cx="1618488" cy="646331"/>
+          </a:xfrm>
+          <a:prstGeom prst="rect">
+            <a:avLst/>
+          </a:prstGeom>
+          <a:noFill/>
+        </p:spPr>
+        <p:txBody>
+          <a:bodyPr wrap="square" rtlCol="0">
+            <a:spAutoFit/>
+          </a:bodyPr>
+          <a:lstStyle/>
+          <a:p>
+            <a:pPr algn="ctr"/>
+            <a:r>
+              <a:rPr lang="en-US" b="1" dirty="0">
+                <a:solidFill>
+                  <a:schemeClr val="bg1"/>
+                </a:solidFill>
+              </a:rPr>
+              <a:t>HIGH MOTIVATION</a:t>
+            </a:r>
+            <a:endParaRPr lang="en-DK" b="1" dirty="0">
+              <a:solidFill>
+                <a:schemeClr val="bg1"/>
+              </a:solidFill>
+            </a:endParaRPr>
+          </a:p>
+        </p:txBody>
+      </p:sp>
+      <p:sp>
+        <p:nvSpPr>
+          <p:cNvPr id="33" name="TextBox 32">
+            <a:extLst>
+              <a:ext uri="{FF2B5EF4-FFF2-40B4-BE49-F238E27FC236}">
+                <a16:creationId xmlns:a16="http://schemas.microsoft.com/office/drawing/2014/main" id="{D096BB55-EC2F-235D-52B7-6626C06FEF9A}"/>
+              </a:ext>
+            </a:extLst>
+          </p:cNvPr>
+          <p:cNvSpPr txBox="1"/>
+          <p:nvPr/>
+        </p:nvSpPr>
+        <p:spPr>
+          <a:xfrm rot="19127374">
+            <a:off x="2046245" y="4348305"/>
+            <a:ext cx="4020916" cy="246221"/>
+          </a:xfrm>
+          <a:prstGeom prst="rect">
+            <a:avLst/>
+          </a:prstGeom>
+          <a:noFill/>
+        </p:spPr>
+        <p:txBody>
+          <a:bodyPr wrap="square" rtlCol="0">
+            <a:spAutoFit/>
+          </a:bodyPr>
+          <a:lstStyle/>
+          <a:p>
+            <a:r>
+              <a:rPr lang="en-US" sz="1000" b="1" dirty="0">
+                <a:solidFill>
+                  <a:schemeClr val="bg1"/>
+                </a:solidFill>
+              </a:rPr>
+              <a:t>INCREASING LIKELINESS TO PERFORM TARGET BEHAVIOR</a:t>
+            </a:r>
+          </a:p>
+        </p:txBody>
+      </p:sp>
+      <p:sp>
+        <p:nvSpPr>
+          <p:cNvPr id="34" name="TextBox 33">
+            <a:extLst>
+              <a:ext uri="{FF2B5EF4-FFF2-40B4-BE49-F238E27FC236}">
+                <a16:creationId xmlns:a16="http://schemas.microsoft.com/office/drawing/2014/main" id="{ECA83B5B-3EEC-A013-72E7-91A2518CCC6B}"/>
+              </a:ext>
+            </a:extLst>
+          </p:cNvPr>
+          <p:cNvSpPr txBox="1"/>
+          <p:nvPr/>
+        </p:nvSpPr>
+        <p:spPr>
+          <a:xfrm>
+            <a:off x="5317237" y="2865120"/>
+            <a:ext cx="1618488" cy="646331"/>
+          </a:xfrm>
+          <a:prstGeom prst="rect">
+            <a:avLst/>
+          </a:prstGeom>
+          <a:noFill/>
+        </p:spPr>
+        <p:txBody>
+          <a:bodyPr wrap="square" rtlCol="0">
+            <a:spAutoFit/>
+          </a:bodyPr>
+          <a:lstStyle/>
+          <a:p>
+            <a:r>
+              <a:rPr lang="en-US" b="1" dirty="0">
+                <a:solidFill>
+                  <a:schemeClr val="bg1"/>
+                </a:solidFill>
+              </a:rPr>
+              <a:t>TARGET BEHAVIOR</a:t>
+            </a:r>
+            <a:endParaRPr lang="en-DK" b="1" dirty="0">
+              <a:solidFill>
+                <a:schemeClr val="bg1"/>
+              </a:solidFill>
+            </a:endParaRPr>
+          </a:p>
+        </p:txBody>
+      </p:sp>
+      <p:sp>
+        <p:nvSpPr>
+          <p:cNvPr id="35" name="TextBox 34">
+            <a:extLst>
+              <a:ext uri="{FF2B5EF4-FFF2-40B4-BE49-F238E27FC236}">
+                <a16:creationId xmlns:a16="http://schemas.microsoft.com/office/drawing/2014/main" id="{2F290987-ED69-21BD-9D59-2550337E4D92}"/>
+              </a:ext>
+            </a:extLst>
+          </p:cNvPr>
+          <p:cNvSpPr txBox="1"/>
+          <p:nvPr/>
+        </p:nvSpPr>
+        <p:spPr>
+          <a:xfrm>
+            <a:off x="4674509" y="4416842"/>
+            <a:ext cx="1618488" cy="369332"/>
+          </a:xfrm>
+          <a:prstGeom prst="rect">
+            <a:avLst/>
+          </a:prstGeom>
+          <a:noFill/>
+        </p:spPr>
+        <p:txBody>
+          <a:bodyPr wrap="square" rtlCol="0">
+            <a:spAutoFit/>
+          </a:bodyPr>
+          <a:lstStyle/>
+          <a:p>
+            <a:r>
+              <a:rPr lang="en-US" b="1" dirty="0">
+                <a:solidFill>
+                  <a:schemeClr val="accent4"/>
+                </a:solidFill>
+              </a:rPr>
+              <a:t>TRIGGER</a:t>
+            </a:r>
+            <a:endParaRPr lang="en-DK" b="1" dirty="0">
+              <a:solidFill>
+                <a:schemeClr val="accent4"/>
+              </a:solidFill>
+            </a:endParaRPr>
+          </a:p>
+        </p:txBody>
+      </p:sp>
+    </p:spTree>
+    <p:extLst>
+      <p:ext uri="{BB962C8B-B14F-4D97-AF65-F5344CB8AC3E}">
+        <p14:creationId xmlns:p14="http://schemas.microsoft.com/office/powerpoint/2010/main" val="3011377762"/>
+      </p:ext>
+    </p:extLst>
+  </p:cSld>
+  <p:clrMapOvr>
+    <a:masterClrMapping/>
+  </p:clrMapOvr>
 </p:sld>
 </file>
 
@@ -8409,23 +8773,6 @@
 </file>
 
 <file path=customXml/item1.xml><?xml version="1.0" encoding="utf-8"?>
-<p:properties xmlns:p="http://schemas.microsoft.com/office/2006/metadata/properties" xmlns:xsi="http://www.w3.org/2001/XMLSchema-instance" xmlns:pc="http://schemas.microsoft.com/office/infopath/2007/PartnerControls">
-  <documentManagement>
-    <_activity xmlns="bead18b1-ae6e-4712-84ad-8a48a0d74569" xsi:nil="true"/>
-  </documentManagement>
-</p:properties>
-</file>
-
-<file path=customXml/item2.xml><?xml version="1.0" encoding="utf-8"?>
-<?mso-contentType ?>
-<FormTemplates xmlns="http://schemas.microsoft.com/sharepoint/v3/contenttype/forms">
-  <Display>DocumentLibraryForm</Display>
-  <Edit>DocumentLibraryForm</Edit>
-  <New>DocumentLibraryForm</New>
-</FormTemplates>
-</file>
-
-<file path=customXml/item3.xml><?xml version="1.0" encoding="utf-8"?>
 <ct:contentTypeSchema xmlns:ct="http://schemas.microsoft.com/office/2006/metadata/contentType" xmlns:ma="http://schemas.microsoft.com/office/2006/metadata/properties/metaAttributes" ct:_="" ma:_="" ma:contentTypeName="Dokument" ma:contentTypeID="0x010100F52B55C75B18A347B322D95909DDA757" ma:contentTypeVersion="9" ma:contentTypeDescription="Opret et nyt dokument." ma:contentTypeScope="" ma:versionID="0aa01508069c5961a2c7a4b2c2c0afd8">
   <xsd:schema xmlns:xsd="http://www.w3.org/2001/XMLSchema" xmlns:xs="http://www.w3.org/2001/XMLSchema" xmlns:p="http://schemas.microsoft.com/office/2006/metadata/properties" xmlns:ns3="bead18b1-ae6e-4712-84ad-8a48a0d74569" xmlns:ns4="a97cf567-e3a0-40c4-b740-75b11bfba5f7" targetNamespace="http://schemas.microsoft.com/office/2006/metadata/properties" ma:root="true" ma:fieldsID="eafd56a872e7b48393f404087313795d" ns3:_="" ns4:_="">
     <xsd:import namespace="bead18b1-ae6e-4712-84ad-8a48a0d74569"/>
@@ -8620,32 +8967,24 @@
 </ct:contentTypeSchema>
 </file>
 
-<file path=customXml/itemProps1.xml><?xml version="1.0" encoding="utf-8"?>
-<ds:datastoreItem xmlns:ds="http://schemas.openxmlformats.org/officeDocument/2006/customXml" ds:itemID="{E96DC1FA-2665-4506-85A6-AF1E0577FA24}">
-  <ds:schemaRefs>
-    <ds:schemaRef ds:uri="http://purl.org/dc/elements/1.1/"/>
-    <ds:schemaRef ds:uri="http://purl.org/dc/dcmitype/"/>
-    <ds:schemaRef ds:uri="http://schemas.microsoft.com/office/2006/metadata/properties"/>
-    <ds:schemaRef ds:uri="http://schemas.microsoft.com/office/infopath/2007/PartnerControls"/>
-    <ds:schemaRef ds:uri="bead18b1-ae6e-4712-84ad-8a48a0d74569"/>
-    <ds:schemaRef ds:uri="http://schemas.microsoft.com/office/2006/documentManagement/types"/>
-    <ds:schemaRef ds:uri="a97cf567-e3a0-40c4-b740-75b11bfba5f7"/>
-    <ds:schemaRef ds:uri="http://schemas.openxmlformats.org/package/2006/metadata/core-properties"/>
-    <ds:schemaRef ds:uri="http://www.w3.org/XML/1998/namespace"/>
-    <ds:schemaRef ds:uri="http://purl.org/dc/terms/"/>
-  </ds:schemaRefs>
-</ds:datastoreItem>
+<file path=customXml/item2.xml><?xml version="1.0" encoding="utf-8"?>
+<?mso-contentType ?>
+<FormTemplates xmlns="http://schemas.microsoft.com/sharepoint/v3/contenttype/forms">
+  <Display>DocumentLibraryForm</Display>
+  <Edit>DocumentLibraryForm</Edit>
+  <New>DocumentLibraryForm</New>
+</FormTemplates>
 </file>
 
-<file path=customXml/itemProps2.xml><?xml version="1.0" encoding="utf-8"?>
-<ds:datastoreItem xmlns:ds="http://schemas.openxmlformats.org/officeDocument/2006/customXml" ds:itemID="{034A2112-1BBF-481D-9219-1650866657C1}">
-  <ds:schemaRefs>
-    <ds:schemaRef ds:uri="http://schemas.microsoft.com/sharepoint/v3/contenttype/forms"/>
-  </ds:schemaRefs>
-</ds:datastoreItem>
+<file path=customXml/item3.xml><?xml version="1.0" encoding="utf-8"?>
+<p:properties xmlns:p="http://schemas.microsoft.com/office/2006/metadata/properties" xmlns:xsi="http://www.w3.org/2001/XMLSchema-instance" xmlns:pc="http://schemas.microsoft.com/office/infopath/2007/PartnerControls">
+  <documentManagement>
+    <_activity xmlns="bead18b1-ae6e-4712-84ad-8a48a0d74569" xsi:nil="true"/>
+  </documentManagement>
+</p:properties>
 </file>
 
-<file path=customXml/itemProps3.xml><?xml version="1.0" encoding="utf-8"?>
+<file path=customXml/itemProps1.xml><?xml version="1.0" encoding="utf-8"?>
 <ds:datastoreItem xmlns:ds="http://schemas.openxmlformats.org/officeDocument/2006/customXml" ds:itemID="{43C3ABC7-5AA1-4D5E-814F-FF4096D74A36}">
   <ds:schemaRefs>
     <ds:schemaRef ds:uri="http://schemas.microsoft.com/office/2006/metadata/contentType"/>
@@ -8662,4 +9001,29 @@
     <ds:schemaRef ds:uri="http://schemas.microsoft.com/internal/obd"/>
   </ds:schemaRefs>
 </ds:datastoreItem>
+</file>
+
+<file path=customXml/itemProps2.xml><?xml version="1.0" encoding="utf-8"?>
+<ds:datastoreItem xmlns:ds="http://schemas.openxmlformats.org/officeDocument/2006/customXml" ds:itemID="{034A2112-1BBF-481D-9219-1650866657C1}">
+  <ds:schemaRefs>
+    <ds:schemaRef ds:uri="http://schemas.microsoft.com/sharepoint/v3/contenttype/forms"/>
+  </ds:schemaRefs>
+</ds:datastoreItem>
+</file>
+
+<file path=customXml/itemProps3.xml><?xml version="1.0" encoding="utf-8"?>
+<ds:datastoreItem xmlns:ds="http://schemas.openxmlformats.org/officeDocument/2006/customXml" ds:itemID="{E96DC1FA-2665-4506-85A6-AF1E0577FA24}">
+  <ds:schemaRefs>
+    <ds:schemaRef ds:uri="http://purl.org/dc/elements/1.1/"/>
+    <ds:schemaRef ds:uri="http://purl.org/dc/dcmitype/"/>
+    <ds:schemaRef ds:uri="http://schemas.microsoft.com/office/2006/metadata/properties"/>
+    <ds:schemaRef ds:uri="http://schemas.microsoft.com/office/infopath/2007/PartnerControls"/>
+    <ds:schemaRef ds:uri="bead18b1-ae6e-4712-84ad-8a48a0d74569"/>
+    <ds:schemaRef ds:uri="http://schemas.microsoft.com/office/2006/documentManagement/types"/>
+    <ds:schemaRef ds:uri="a97cf567-e3a0-40c4-b740-75b11bfba5f7"/>
+    <ds:schemaRef ds:uri="http://schemas.openxmlformats.org/package/2006/metadata/core-properties"/>
+    <ds:schemaRef ds:uri="http://www.w3.org/XML/1998/namespace"/>
+    <ds:schemaRef ds:uri="http://purl.org/dc/terms/"/>
+  </ds:schemaRefs>
+</ds:datastoreItem>
 </file>